--- a/docs/diagrams/UiComponentClassDiagram.pptx
+++ b/docs/diagrams/UiComponentClassDiagram.pptx
@@ -208,7 +208,7 @@
           <a:p>
             <a:fld id="{F5CC4B3F-88C1-4FFA-B1B6-F41C21DC6924}" type="datetimeFigureOut">
               <a:rPr lang="en-US" smtClean="0"/>
-              <a:t>1/7/2017</a:t>
+              <a:t>17-Oct-18</a:t>
             </a:fld>
             <a:endParaRPr lang="en-US"/>
           </a:p>
@@ -654,7 +654,7 @@
           <a:p>
             <a:fld id="{78C97017-6FC3-485B-9764-EAC9E56C1D49}" type="datetimeFigureOut">
               <a:rPr lang="en-US" smtClean="0"/>
-              <a:t>1/7/2017</a:t>
+              <a:t>17-Oct-18</a:t>
             </a:fld>
             <a:endParaRPr lang="en-US"/>
           </a:p>
@@ -822,7 +822,7 @@
           <a:p>
             <a:fld id="{78C97017-6FC3-485B-9764-EAC9E56C1D49}" type="datetimeFigureOut">
               <a:rPr lang="en-US" smtClean="0"/>
-              <a:t>1/7/2017</a:t>
+              <a:t>17-Oct-18</a:t>
             </a:fld>
             <a:endParaRPr lang="en-US"/>
           </a:p>
@@ -1000,7 +1000,7 @@
           <a:p>
             <a:fld id="{78C97017-6FC3-485B-9764-EAC9E56C1D49}" type="datetimeFigureOut">
               <a:rPr lang="en-US" smtClean="0"/>
-              <a:t>1/7/2017</a:t>
+              <a:t>17-Oct-18</a:t>
             </a:fld>
             <a:endParaRPr lang="en-US"/>
           </a:p>
@@ -1168,7 +1168,7 @@
           <a:p>
             <a:fld id="{78C97017-6FC3-485B-9764-EAC9E56C1D49}" type="datetimeFigureOut">
               <a:rPr lang="en-US" smtClean="0"/>
-              <a:t>1/7/2017</a:t>
+              <a:t>17-Oct-18</a:t>
             </a:fld>
             <a:endParaRPr lang="en-US"/>
           </a:p>
@@ -1413,7 +1413,7 @@
           <a:p>
             <a:fld id="{78C97017-6FC3-485B-9764-EAC9E56C1D49}" type="datetimeFigureOut">
               <a:rPr lang="en-US" smtClean="0"/>
-              <a:t>1/7/2017</a:t>
+              <a:t>17-Oct-18</a:t>
             </a:fld>
             <a:endParaRPr lang="en-US"/>
           </a:p>
@@ -1698,7 +1698,7 @@
           <a:p>
             <a:fld id="{78C97017-6FC3-485B-9764-EAC9E56C1D49}" type="datetimeFigureOut">
               <a:rPr lang="en-US" smtClean="0"/>
-              <a:t>1/7/2017</a:t>
+              <a:t>17-Oct-18</a:t>
             </a:fld>
             <a:endParaRPr lang="en-US"/>
           </a:p>
@@ -2117,7 +2117,7 @@
           <a:p>
             <a:fld id="{78C97017-6FC3-485B-9764-EAC9E56C1D49}" type="datetimeFigureOut">
               <a:rPr lang="en-US" smtClean="0"/>
-              <a:t>1/7/2017</a:t>
+              <a:t>17-Oct-18</a:t>
             </a:fld>
             <a:endParaRPr lang="en-US"/>
           </a:p>
@@ -2234,7 +2234,7 @@
           <a:p>
             <a:fld id="{78C97017-6FC3-485B-9764-EAC9E56C1D49}" type="datetimeFigureOut">
               <a:rPr lang="en-US" smtClean="0"/>
-              <a:t>1/7/2017</a:t>
+              <a:t>17-Oct-18</a:t>
             </a:fld>
             <a:endParaRPr lang="en-US"/>
           </a:p>
@@ -2329,7 +2329,7 @@
           <a:p>
             <a:fld id="{78C97017-6FC3-485B-9764-EAC9E56C1D49}" type="datetimeFigureOut">
               <a:rPr lang="en-US" smtClean="0"/>
-              <a:t>1/7/2017</a:t>
+              <a:t>17-Oct-18</a:t>
             </a:fld>
             <a:endParaRPr lang="en-US"/>
           </a:p>
@@ -2604,7 +2604,7 @@
           <a:p>
             <a:fld id="{78C97017-6FC3-485B-9764-EAC9E56C1D49}" type="datetimeFigureOut">
               <a:rPr lang="en-US" smtClean="0"/>
-              <a:t>1/7/2017</a:t>
+              <a:t>17-Oct-18</a:t>
             </a:fld>
             <a:endParaRPr lang="en-US"/>
           </a:p>
@@ -2856,7 +2856,7 @@
           <a:p>
             <a:fld id="{78C97017-6FC3-485B-9764-EAC9E56C1D49}" type="datetimeFigureOut">
               <a:rPr lang="en-US" smtClean="0"/>
-              <a:t>1/7/2017</a:t>
+              <a:t>17-Oct-18</a:t>
             </a:fld>
             <a:endParaRPr lang="en-US"/>
           </a:p>
@@ -3067,7 +3067,7 @@
           <a:p>
             <a:fld id="{78C97017-6FC3-485B-9764-EAC9E56C1D49}" type="datetimeFigureOut">
               <a:rPr lang="en-US" smtClean="0"/>
-              <a:t>1/7/2017</a:t>
+              <a:t>17-Oct-18</a:t>
             </a:fld>
             <a:endParaRPr lang="en-US"/>
           </a:p>
@@ -3450,8 +3450,8 @@
         </p:nvSpPr>
         <p:spPr>
           <a:xfrm>
-            <a:off x="1217465" y="1447800"/>
-            <a:ext cx="4917083" cy="3962400"/>
+            <a:off x="0" y="0"/>
+            <a:ext cx="8229599" cy="6858000"/>
           </a:xfrm>
           <a:prstGeom prst="roundRect">
             <a:avLst>
@@ -3825,7 +3825,7 @@
         </p:nvSpPr>
         <p:spPr>
           <a:xfrm rot="16200000">
-            <a:off x="5703829" y="2464877"/>
+            <a:off x="7538638" y="2034216"/>
             <a:ext cx="2362201" cy="328045"/>
           </a:xfrm>
           <a:prstGeom prst="roundRect">
@@ -3945,7 +3945,7 @@
         </p:nvSpPr>
         <p:spPr>
           <a:xfrm>
-            <a:off x="2592527" y="4563759"/>
+            <a:off x="2592528" y="5757635"/>
             <a:ext cx="1093635" cy="236841"/>
           </a:xfrm>
           <a:prstGeom prst="rect">
@@ -4125,7 +4125,7 @@
         </p:nvSpPr>
         <p:spPr>
           <a:xfrm>
-            <a:off x="2592528" y="4966000"/>
+            <a:off x="2590799" y="6043748"/>
             <a:ext cx="1093635" cy="236841"/>
           </a:xfrm>
           <a:prstGeom prst="rect">
@@ -4419,8 +4419,8 @@
         </p:nvCxnSpPr>
         <p:spPr>
           <a:xfrm rot="16200000" flipH="1">
-            <a:off x="1597249" y="3686901"/>
-            <a:ext cx="1814155" cy="176401"/>
+            <a:off x="1000312" y="4283839"/>
+            <a:ext cx="3008031" cy="176402"/>
           </a:xfrm>
           <a:prstGeom prst="bentConnector2">
             <a:avLst/>
@@ -4453,14 +4453,15 @@
         <p:nvCxnSpPr>
           <p:cNvPr id="53" name="Elbow Connector 63"/>
           <p:cNvCxnSpPr>
+            <a:cxnSpLocks/>
             <a:endCxn id="38" idx="1"/>
           </p:cNvCxnSpPr>
           <p:nvPr/>
         </p:nvCxnSpPr>
         <p:spPr>
           <a:xfrm rot="16200000" flipH="1">
-            <a:off x="1184119" y="3676012"/>
-            <a:ext cx="2396440" cy="420377"/>
+            <a:off x="632693" y="4204062"/>
+            <a:ext cx="3485563" cy="430649"/>
           </a:xfrm>
           <a:prstGeom prst="bentConnector2">
             <a:avLst/>
@@ -4743,8 +4744,8 @@
         </p:nvCxnSpPr>
         <p:spPr>
           <a:xfrm rot="5400000">
-            <a:off x="3409976" y="2562187"/>
-            <a:ext cx="2396180" cy="1843807"/>
+            <a:off x="2813038" y="3159125"/>
+            <a:ext cx="3590056" cy="1843806"/>
           </a:xfrm>
           <a:prstGeom prst="bentConnector2">
             <a:avLst/>
@@ -4784,8 +4785,8 @@
         </p:nvCxnSpPr>
         <p:spPr>
           <a:xfrm rot="5400000">
-            <a:off x="3208856" y="2763307"/>
-            <a:ext cx="2798421" cy="1843806"/>
+            <a:off x="2669118" y="3301317"/>
+            <a:ext cx="3876169" cy="1845535"/>
           </a:xfrm>
           <a:prstGeom prst="bentConnector2">
             <a:avLst/>
@@ -4818,14 +4819,15 @@
         <p:nvCxnSpPr>
           <p:cNvPr id="107" name="Elbow Connector 106"/>
           <p:cNvCxnSpPr>
+            <a:cxnSpLocks/>
             <a:stCxn id="9" idx="0"/>
           </p:cNvCxnSpPr>
           <p:nvPr/>
         </p:nvCxnSpPr>
         <p:spPr>
           <a:xfrm rot="5400000" flipH="1" flipV="1">
-            <a:off x="4594921" y="-355061"/>
-            <a:ext cx="170724" cy="4081246"/>
+            <a:off x="5462904" y="-1321888"/>
+            <a:ext cx="269569" cy="5916057"/>
           </a:xfrm>
           <a:prstGeom prst="bentConnector2">
             <a:avLst/>
@@ -4863,8 +4865,8 @@
         </p:nvSpPr>
         <p:spPr>
           <a:xfrm rot="16200000">
-            <a:off x="6213739" y="4560376"/>
-            <a:ext cx="1371599" cy="328045"/>
+            <a:off x="7477218" y="5070456"/>
+            <a:ext cx="2485040" cy="328045"/>
           </a:xfrm>
           <a:prstGeom prst="roundRect">
             <a:avLst/>
@@ -5300,8 +5302,8 @@
         </p:nvSpPr>
         <p:spPr>
           <a:xfrm>
-            <a:off x="3687515" y="2828802"/>
-            <a:ext cx="3048000" cy="203200"/>
+            <a:off x="3687515" y="2798419"/>
+            <a:ext cx="4868200" cy="233583"/>
           </a:xfrm>
           <a:custGeom>
             <a:avLst/>
@@ -5436,7 +5438,638 @@
         <p:spPr>
           <a:xfrm flipV="1">
             <a:off x="4114799" y="4472708"/>
-            <a:ext cx="2642195" cy="101600"/>
+            <a:ext cx="4440916" cy="203200"/>
+          </a:xfrm>
+          <a:custGeom>
+            <a:avLst/>
+            <a:gdLst>
+              <a:gd name="connsiteX0" fmla="*/ 0 w 3048000"/>
+              <a:gd name="connsiteY0" fmla="*/ 203200 h 203200"/>
+              <a:gd name="connsiteX1" fmla="*/ 221673 w 3048000"/>
+              <a:gd name="connsiteY1" fmla="*/ 0 h 203200"/>
+              <a:gd name="connsiteX2" fmla="*/ 3048000 w 3048000"/>
+              <a:gd name="connsiteY2" fmla="*/ 0 h 203200"/>
+            </a:gdLst>
+            <a:ahLst/>
+            <a:cxnLst>
+              <a:cxn ang="0">
+                <a:pos x="connsiteX0" y="connsiteY0"/>
+              </a:cxn>
+              <a:cxn ang="0">
+                <a:pos x="connsiteX1" y="connsiteY1"/>
+              </a:cxn>
+              <a:cxn ang="0">
+                <a:pos x="connsiteX2" y="connsiteY2"/>
+              </a:cxn>
+            </a:cxnLst>
+            <a:rect l="l" t="t" r="r" b="b"/>
+            <a:pathLst>
+              <a:path w="3048000" h="203200">
+                <a:moveTo>
+                  <a:pt x="0" y="203200"/>
+                </a:moveTo>
+                <a:lnTo>
+                  <a:pt x="221673" y="0"/>
+                </a:lnTo>
+                <a:lnTo>
+                  <a:pt x="3048000" y="0"/>
+                </a:lnTo>
+              </a:path>
+            </a:pathLst>
+          </a:custGeom>
+          <a:noFill/>
+          <a:ln w="19050">
+            <a:solidFill>
+              <a:schemeClr val="accent3"/>
+            </a:solidFill>
+            <a:prstDash val="sysDot"/>
+            <a:headEnd type="none" w="med" len="med"/>
+            <a:tailEnd type="arrow" w="med" len="med"/>
+          </a:ln>
+          <a:effectLst/>
+        </p:spPr>
+        <p:style>
+          <a:lnRef idx="1">
+            <a:schemeClr val="accent2"/>
+          </a:lnRef>
+          <a:fillRef idx="2">
+            <a:schemeClr val="accent2"/>
+          </a:fillRef>
+          <a:effectRef idx="1">
+            <a:schemeClr val="accent2"/>
+          </a:effectRef>
+          <a:fontRef idx="minor">
+            <a:schemeClr val="dk1"/>
+          </a:fontRef>
+        </p:style>
+        <p:txBody>
+          <a:bodyPr rtlCol="0" anchor="ctr"/>
+          <a:lstStyle/>
+          <a:p>
+            <a:pPr algn="ctr"/>
+            <a:endParaRPr lang="en-SG"/>
+          </a:p>
+        </p:txBody>
+      </p:sp>
+      <p:sp>
+        <p:nvSpPr>
+          <p:cNvPr id="48" name="Rectangle 11">
+            <a:extLst>
+              <a:ext uri="{FF2B5EF4-FFF2-40B4-BE49-F238E27FC236}">
+                <a16:creationId xmlns:a16="http://schemas.microsoft.com/office/drawing/2014/main" id="{CA4C1AAF-9D83-496E-8B85-63D218CADFD7}"/>
+              </a:ext>
+            </a:extLst>
+          </p:cNvPr>
+          <p:cNvSpPr/>
+          <p:nvPr/>
+        </p:nvSpPr>
+        <p:spPr>
+          <a:xfrm>
+            <a:off x="2582630" y="4437187"/>
+            <a:ext cx="1093635" cy="236841"/>
+          </a:xfrm>
+          <a:prstGeom prst="rect">
+            <a:avLst/>
+          </a:prstGeom>
+          <a:ln w="19050">
+            <a:solidFill>
+              <a:schemeClr val="accent3"/>
+            </a:solidFill>
+          </a:ln>
+          <a:effectLst/>
+        </p:spPr>
+        <p:style>
+          <a:lnRef idx="1">
+            <a:schemeClr val="accent3"/>
+          </a:lnRef>
+          <a:fillRef idx="2">
+            <a:schemeClr val="accent3"/>
+          </a:fillRef>
+          <a:effectRef idx="1">
+            <a:schemeClr val="accent3"/>
+          </a:effectRef>
+          <a:fontRef idx="minor">
+            <a:schemeClr val="dk1"/>
+          </a:fontRef>
+        </p:style>
+        <p:txBody>
+          <a:bodyPr rtlCol="0" anchor="ctr"/>
+          <a:lstStyle/>
+          <a:p>
+            <a:pPr algn="ctr"/>
+            <a:r>
+              <a:rPr lang="en-US" sz="1050" b="1" dirty="0" err="1">
+                <a:solidFill>
+                  <a:schemeClr val="accent3">
+                    <a:lumMod val="75000"/>
+                  </a:schemeClr>
+                </a:solidFill>
+              </a:rPr>
+              <a:t>JobListPanel</a:t>
+            </a:r>
+            <a:endParaRPr lang="en-SG" sz="1050" b="1" dirty="0">
+              <a:solidFill>
+                <a:schemeClr val="accent3">
+                  <a:lumMod val="75000"/>
+                </a:schemeClr>
+              </a:solidFill>
+            </a:endParaRPr>
+          </a:p>
+        </p:txBody>
+      </p:sp>
+      <p:sp>
+        <p:nvSpPr>
+          <p:cNvPr id="49" name="Rectangle 11">
+            <a:extLst>
+              <a:ext uri="{FF2B5EF4-FFF2-40B4-BE49-F238E27FC236}">
+                <a16:creationId xmlns:a16="http://schemas.microsoft.com/office/drawing/2014/main" id="{0F11AA9B-107B-4DD1-95EA-F044A90E8ECC}"/>
+              </a:ext>
+            </a:extLst>
+          </p:cNvPr>
+          <p:cNvSpPr/>
+          <p:nvPr/>
+        </p:nvSpPr>
+        <p:spPr>
+          <a:xfrm>
+            <a:off x="3840760" y="4727832"/>
+            <a:ext cx="1040906" cy="236841"/>
+          </a:xfrm>
+          <a:prstGeom prst="rect">
+            <a:avLst/>
+          </a:prstGeom>
+          <a:ln w="19050">
+            <a:solidFill>
+              <a:schemeClr val="accent3"/>
+            </a:solidFill>
+          </a:ln>
+          <a:effectLst/>
+        </p:spPr>
+        <p:style>
+          <a:lnRef idx="1">
+            <a:schemeClr val="accent3"/>
+          </a:lnRef>
+          <a:fillRef idx="2">
+            <a:schemeClr val="accent3"/>
+          </a:fillRef>
+          <a:effectRef idx="1">
+            <a:schemeClr val="accent3"/>
+          </a:effectRef>
+          <a:fontRef idx="minor">
+            <a:schemeClr val="dk1"/>
+          </a:fontRef>
+        </p:style>
+        <p:txBody>
+          <a:bodyPr rtlCol="0" anchor="ctr"/>
+          <a:lstStyle/>
+          <a:p>
+            <a:pPr algn="ctr"/>
+            <a:r>
+              <a:rPr lang="en-US" sz="1050" b="1" dirty="0" err="1">
+                <a:solidFill>
+                  <a:schemeClr val="accent3">
+                    <a:lumMod val="75000"/>
+                  </a:schemeClr>
+                </a:solidFill>
+              </a:rPr>
+              <a:t>JobCard</a:t>
+            </a:r>
+            <a:endParaRPr lang="en-SG" sz="1050" b="1" dirty="0">
+              <a:solidFill>
+                <a:schemeClr val="accent3">
+                  <a:lumMod val="75000"/>
+                </a:schemeClr>
+              </a:solidFill>
+            </a:endParaRPr>
+          </a:p>
+        </p:txBody>
+      </p:sp>
+      <p:cxnSp>
+        <p:nvCxnSpPr>
+          <p:cNvPr id="51" name="Elbow Connector 136">
+            <a:extLst>
+              <a:ext uri="{FF2B5EF4-FFF2-40B4-BE49-F238E27FC236}">
+                <a16:creationId xmlns:a16="http://schemas.microsoft.com/office/drawing/2014/main" id="{93BADDBA-F14B-4D79-811A-027B2ED06389}"/>
+              </a:ext>
+            </a:extLst>
+          </p:cNvPr>
+          <p:cNvCxnSpPr>
+            <a:stCxn id="48" idx="2"/>
+            <a:endCxn id="49" idx="1"/>
+          </p:cNvCxnSpPr>
+          <p:nvPr/>
+        </p:nvCxnSpPr>
+        <p:spPr>
+          <a:xfrm rot="16200000" flipH="1">
+            <a:off x="3398992" y="4404484"/>
+            <a:ext cx="172225" cy="711312"/>
+          </a:xfrm>
+          <a:prstGeom prst="bentConnector2">
+            <a:avLst/>
+          </a:prstGeom>
+          <a:ln w="19050">
+            <a:solidFill>
+              <a:schemeClr val="accent3"/>
+            </a:solidFill>
+            <a:headEnd type="none" w="med" len="med"/>
+            <a:tailEnd type="arrow" w="med" len="med"/>
+          </a:ln>
+          <a:effectLst/>
+        </p:spPr>
+        <p:style>
+          <a:lnRef idx="1">
+            <a:schemeClr val="accent2"/>
+          </a:lnRef>
+          <a:fillRef idx="2">
+            <a:schemeClr val="accent2"/>
+          </a:fillRef>
+          <a:effectRef idx="1">
+            <a:schemeClr val="accent2"/>
+          </a:effectRef>
+          <a:fontRef idx="minor">
+            <a:schemeClr val="dk1"/>
+          </a:fontRef>
+        </p:style>
+      </p:cxnSp>
+      <p:cxnSp>
+        <p:nvCxnSpPr>
+          <p:cNvPr id="52" name="Elbow Connector 63">
+            <a:extLst>
+              <a:ext uri="{FF2B5EF4-FFF2-40B4-BE49-F238E27FC236}">
+                <a16:creationId xmlns:a16="http://schemas.microsoft.com/office/drawing/2014/main" id="{AEE8E5F5-CA80-4D21-8C4A-2FB601BABDBD}"/>
+              </a:ext>
+            </a:extLst>
+          </p:cNvPr>
+          <p:cNvCxnSpPr>
+            <a:cxnSpLocks/>
+            <a:stCxn id="39" idx="2"/>
+            <a:endCxn id="48" idx="1"/>
+          </p:cNvCxnSpPr>
+          <p:nvPr/>
+        </p:nvCxnSpPr>
+        <p:spPr>
+          <a:xfrm rot="16200000" flipH="1">
+            <a:off x="1655587" y="3628564"/>
+            <a:ext cx="1687583" cy="166504"/>
+          </a:xfrm>
+          <a:prstGeom prst="bentConnector2">
+            <a:avLst/>
+          </a:prstGeom>
+          <a:ln w="19050">
+            <a:solidFill>
+              <a:schemeClr val="accent3"/>
+            </a:solidFill>
+            <a:headEnd type="none" w="med" len="med"/>
+            <a:tailEnd type="arrow" w="med" len="med"/>
+          </a:ln>
+          <a:effectLst/>
+        </p:spPr>
+        <p:style>
+          <a:lnRef idx="1">
+            <a:schemeClr val="accent2"/>
+          </a:lnRef>
+          <a:fillRef idx="2">
+            <a:schemeClr val="accent2"/>
+          </a:fillRef>
+          <a:effectRef idx="1">
+            <a:schemeClr val="accent2"/>
+          </a:effectRef>
+          <a:fontRef idx="minor">
+            <a:schemeClr val="dk1"/>
+          </a:fontRef>
+        </p:style>
+      </p:cxnSp>
+      <p:sp>
+        <p:nvSpPr>
+          <p:cNvPr id="62" name="Freeform 117">
+            <a:extLst>
+              <a:ext uri="{FF2B5EF4-FFF2-40B4-BE49-F238E27FC236}">
+                <a16:creationId xmlns:a16="http://schemas.microsoft.com/office/drawing/2014/main" id="{D0D70A91-4211-494C-996E-13B9F0A383BA}"/>
+              </a:ext>
+            </a:extLst>
+          </p:cNvPr>
+          <p:cNvSpPr/>
+          <p:nvPr/>
+        </p:nvSpPr>
+        <p:spPr>
+          <a:xfrm flipV="1">
+            <a:off x="4114800" y="4963680"/>
+            <a:ext cx="4440916" cy="203200"/>
+          </a:xfrm>
+          <a:custGeom>
+            <a:avLst/>
+            <a:gdLst>
+              <a:gd name="connsiteX0" fmla="*/ 0 w 3048000"/>
+              <a:gd name="connsiteY0" fmla="*/ 203200 h 203200"/>
+              <a:gd name="connsiteX1" fmla="*/ 221673 w 3048000"/>
+              <a:gd name="connsiteY1" fmla="*/ 0 h 203200"/>
+              <a:gd name="connsiteX2" fmla="*/ 3048000 w 3048000"/>
+              <a:gd name="connsiteY2" fmla="*/ 0 h 203200"/>
+            </a:gdLst>
+            <a:ahLst/>
+            <a:cxnLst>
+              <a:cxn ang="0">
+                <a:pos x="connsiteX0" y="connsiteY0"/>
+              </a:cxn>
+              <a:cxn ang="0">
+                <a:pos x="connsiteX1" y="connsiteY1"/>
+              </a:cxn>
+              <a:cxn ang="0">
+                <a:pos x="connsiteX2" y="connsiteY2"/>
+              </a:cxn>
+            </a:cxnLst>
+            <a:rect l="l" t="t" r="r" b="b"/>
+            <a:pathLst>
+              <a:path w="3048000" h="203200">
+                <a:moveTo>
+                  <a:pt x="0" y="203200"/>
+                </a:moveTo>
+                <a:lnTo>
+                  <a:pt x="221673" y="0"/>
+                </a:lnTo>
+                <a:lnTo>
+                  <a:pt x="3048000" y="0"/>
+                </a:lnTo>
+              </a:path>
+            </a:pathLst>
+          </a:custGeom>
+          <a:noFill/>
+          <a:ln w="19050">
+            <a:solidFill>
+              <a:schemeClr val="accent3"/>
+            </a:solidFill>
+            <a:prstDash val="sysDot"/>
+            <a:headEnd type="none" w="med" len="med"/>
+            <a:tailEnd type="arrow" w="med" len="med"/>
+          </a:ln>
+          <a:effectLst/>
+        </p:spPr>
+        <p:style>
+          <a:lnRef idx="1">
+            <a:schemeClr val="accent2"/>
+          </a:lnRef>
+          <a:fillRef idx="2">
+            <a:schemeClr val="accent2"/>
+          </a:fillRef>
+          <a:effectRef idx="1">
+            <a:schemeClr val="accent2"/>
+          </a:effectRef>
+          <a:fontRef idx="minor">
+            <a:schemeClr val="dk1"/>
+          </a:fontRef>
+        </p:style>
+        <p:txBody>
+          <a:bodyPr rtlCol="0" anchor="ctr"/>
+          <a:lstStyle/>
+          <a:p>
+            <a:pPr algn="ctr"/>
+            <a:endParaRPr lang="en-SG"/>
+          </a:p>
+        </p:txBody>
+      </p:sp>
+      <p:sp>
+        <p:nvSpPr>
+          <p:cNvPr id="63" name="Rectangle 11">
+            <a:extLst>
+              <a:ext uri="{FF2B5EF4-FFF2-40B4-BE49-F238E27FC236}">
+                <a16:creationId xmlns:a16="http://schemas.microsoft.com/office/drawing/2014/main" id="{DDEBBDE2-6E8C-46BE-8EAD-C4CE8E27E727}"/>
+              </a:ext>
+            </a:extLst>
+          </p:cNvPr>
+          <p:cNvSpPr/>
+          <p:nvPr/>
+        </p:nvSpPr>
+        <p:spPr>
+          <a:xfrm>
+            <a:off x="2586920" y="5034009"/>
+            <a:ext cx="1258130" cy="236841"/>
+          </a:xfrm>
+          <a:prstGeom prst="rect">
+            <a:avLst/>
+          </a:prstGeom>
+          <a:ln w="19050">
+            <a:solidFill>
+              <a:schemeClr val="accent3"/>
+            </a:solidFill>
+          </a:ln>
+          <a:effectLst/>
+        </p:spPr>
+        <p:style>
+          <a:lnRef idx="1">
+            <a:schemeClr val="accent3"/>
+          </a:lnRef>
+          <a:fillRef idx="2">
+            <a:schemeClr val="accent3"/>
+          </a:fillRef>
+          <a:effectRef idx="1">
+            <a:schemeClr val="accent3"/>
+          </a:effectRef>
+          <a:fontRef idx="minor">
+            <a:schemeClr val="dk1"/>
+          </a:fontRef>
+        </p:style>
+        <p:txBody>
+          <a:bodyPr rtlCol="0" anchor="ctr"/>
+          <a:lstStyle/>
+          <a:p>
+            <a:pPr algn="ctr"/>
+            <a:r>
+              <a:rPr lang="en-US" sz="1050" b="1" dirty="0" err="1">
+                <a:solidFill>
+                  <a:schemeClr val="accent3">
+                    <a:lumMod val="75000"/>
+                  </a:schemeClr>
+                </a:solidFill>
+              </a:rPr>
+              <a:t>MachineListPanel</a:t>
+            </a:r>
+            <a:endParaRPr lang="en-SG" sz="1050" b="1" dirty="0">
+              <a:solidFill>
+                <a:schemeClr val="accent3">
+                  <a:lumMod val="75000"/>
+                </a:schemeClr>
+              </a:solidFill>
+            </a:endParaRPr>
+          </a:p>
+        </p:txBody>
+      </p:sp>
+      <p:sp>
+        <p:nvSpPr>
+          <p:cNvPr id="64" name="Rectangle 11">
+            <a:extLst>
+              <a:ext uri="{FF2B5EF4-FFF2-40B4-BE49-F238E27FC236}">
+                <a16:creationId xmlns:a16="http://schemas.microsoft.com/office/drawing/2014/main" id="{AA6314E7-2E96-493E-ADA7-FB86A1E6FFAE}"/>
+              </a:ext>
+            </a:extLst>
+          </p:cNvPr>
+          <p:cNvSpPr/>
+          <p:nvPr/>
+        </p:nvSpPr>
+        <p:spPr>
+          <a:xfrm>
+            <a:off x="3839323" y="5327798"/>
+            <a:ext cx="1040906" cy="236841"/>
+          </a:xfrm>
+          <a:prstGeom prst="rect">
+            <a:avLst/>
+          </a:prstGeom>
+          <a:ln w="19050">
+            <a:solidFill>
+              <a:schemeClr val="accent3"/>
+            </a:solidFill>
+          </a:ln>
+          <a:effectLst/>
+        </p:spPr>
+        <p:style>
+          <a:lnRef idx="1">
+            <a:schemeClr val="accent3"/>
+          </a:lnRef>
+          <a:fillRef idx="2">
+            <a:schemeClr val="accent3"/>
+          </a:fillRef>
+          <a:effectRef idx="1">
+            <a:schemeClr val="accent3"/>
+          </a:effectRef>
+          <a:fontRef idx="minor">
+            <a:schemeClr val="dk1"/>
+          </a:fontRef>
+        </p:style>
+        <p:txBody>
+          <a:bodyPr rtlCol="0" anchor="ctr"/>
+          <a:lstStyle/>
+          <a:p>
+            <a:pPr algn="ctr"/>
+            <a:r>
+              <a:rPr lang="en-US" sz="1050" b="1" dirty="0" err="1">
+                <a:solidFill>
+                  <a:schemeClr val="accent3">
+                    <a:lumMod val="75000"/>
+                  </a:schemeClr>
+                </a:solidFill>
+              </a:rPr>
+              <a:t>MachineCard</a:t>
+            </a:r>
+            <a:endParaRPr lang="en-SG" sz="1050" b="1" dirty="0">
+              <a:solidFill>
+                <a:schemeClr val="accent3">
+                  <a:lumMod val="75000"/>
+                </a:schemeClr>
+              </a:solidFill>
+            </a:endParaRPr>
+          </a:p>
+        </p:txBody>
+      </p:sp>
+      <p:cxnSp>
+        <p:nvCxnSpPr>
+          <p:cNvPr id="65" name="Elbow Connector 136">
+            <a:extLst>
+              <a:ext uri="{FF2B5EF4-FFF2-40B4-BE49-F238E27FC236}">
+                <a16:creationId xmlns:a16="http://schemas.microsoft.com/office/drawing/2014/main" id="{1510671F-F586-49F8-A17F-94B1E42D2335}"/>
+              </a:ext>
+            </a:extLst>
+          </p:cNvPr>
+          <p:cNvCxnSpPr>
+            <a:cxnSpLocks/>
+            <a:stCxn id="63" idx="2"/>
+            <a:endCxn id="64" idx="1"/>
+          </p:cNvCxnSpPr>
+          <p:nvPr/>
+        </p:nvCxnSpPr>
+        <p:spPr>
+          <a:xfrm rot="16200000" flipH="1">
+            <a:off x="3439970" y="5046865"/>
+            <a:ext cx="175369" cy="623338"/>
+          </a:xfrm>
+          <a:prstGeom prst="bentConnector2">
+            <a:avLst/>
+          </a:prstGeom>
+          <a:ln w="19050">
+            <a:solidFill>
+              <a:schemeClr val="accent3"/>
+            </a:solidFill>
+            <a:headEnd type="none" w="med" len="med"/>
+            <a:tailEnd type="arrow" w="med" len="med"/>
+          </a:ln>
+          <a:effectLst/>
+        </p:spPr>
+        <p:style>
+          <a:lnRef idx="1">
+            <a:schemeClr val="accent2"/>
+          </a:lnRef>
+          <a:fillRef idx="2">
+            <a:schemeClr val="accent2"/>
+          </a:fillRef>
+          <a:effectRef idx="1">
+            <a:schemeClr val="accent2"/>
+          </a:effectRef>
+          <a:fontRef idx="minor">
+            <a:schemeClr val="dk1"/>
+          </a:fontRef>
+        </p:style>
+      </p:cxnSp>
+      <p:cxnSp>
+        <p:nvCxnSpPr>
+          <p:cNvPr id="66" name="Elbow Connector 63">
+            <a:extLst>
+              <a:ext uri="{FF2B5EF4-FFF2-40B4-BE49-F238E27FC236}">
+                <a16:creationId xmlns:a16="http://schemas.microsoft.com/office/drawing/2014/main" id="{47BC0B05-3BAC-4A7C-A76F-B5D8120F8582}"/>
+              </a:ext>
+            </a:extLst>
+          </p:cNvPr>
+          <p:cNvCxnSpPr>
+            <a:cxnSpLocks/>
+            <a:stCxn id="39" idx="2"/>
+            <a:endCxn id="63" idx="1"/>
+          </p:cNvCxnSpPr>
+          <p:nvPr/>
+        </p:nvCxnSpPr>
+        <p:spPr>
+          <a:xfrm rot="16200000" flipH="1">
+            <a:off x="1359321" y="3924830"/>
+            <a:ext cx="2284405" cy="170794"/>
+          </a:xfrm>
+          <a:prstGeom prst="bentConnector2">
+            <a:avLst/>
+          </a:prstGeom>
+          <a:ln w="19050">
+            <a:solidFill>
+              <a:schemeClr val="accent3"/>
+            </a:solidFill>
+            <a:headEnd type="none" w="med" len="med"/>
+            <a:tailEnd type="arrow" w="med" len="med"/>
+          </a:ln>
+          <a:effectLst/>
+        </p:spPr>
+        <p:style>
+          <a:lnRef idx="1">
+            <a:schemeClr val="accent2"/>
+          </a:lnRef>
+          <a:fillRef idx="2">
+            <a:schemeClr val="accent2"/>
+          </a:fillRef>
+          <a:effectRef idx="1">
+            <a:schemeClr val="accent2"/>
+          </a:effectRef>
+          <a:fontRef idx="minor">
+            <a:schemeClr val="dk1"/>
+          </a:fontRef>
+        </p:style>
+      </p:cxnSp>
+      <p:sp>
+        <p:nvSpPr>
+          <p:cNvPr id="67" name="Freeform 117">
+            <a:extLst>
+              <a:ext uri="{FF2B5EF4-FFF2-40B4-BE49-F238E27FC236}">
+                <a16:creationId xmlns:a16="http://schemas.microsoft.com/office/drawing/2014/main" id="{BD1195E8-AE91-43CD-90F2-7A37E863A69F}"/>
+              </a:ext>
+            </a:extLst>
+          </p:cNvPr>
+          <p:cNvSpPr/>
+          <p:nvPr/>
+        </p:nvSpPr>
+        <p:spPr>
+          <a:xfrm flipV="1">
+            <a:off x="4162947" y="5574788"/>
+            <a:ext cx="4392767" cy="213139"/>
           </a:xfrm>
           <a:custGeom>
             <a:avLst/>
